--- a/presentation.pptx
+++ b/presentation.pptx
@@ -930,7 +930,7 @@
         <a:p>
           <a:r>
             <a:rPr lang="en-US" dirty="0"/>
-            <a:t>Wait for the truck</a:t>
+            <a:t>Wait for a truck</a:t>
           </a:r>
         </a:p>
       </dgm:t>
@@ -1732,7 +1732,7 @@
           </a:pPr>
           <a:r>
             <a:rPr lang="en-US" sz="3200" kern="1200" dirty="0"/>
-            <a:t>Wait for the truck</a:t>
+            <a:t>Wait for a truck</a:t>
           </a:r>
         </a:p>
       </dsp:txBody>
@@ -3510,7 +3510,7 @@
           <a:p>
             <a:fld id="{2398DB02-A856-45E2-9796-3C612C096A25}" type="datetimeFigureOut">
               <a:rPr lang="en-US" smtClean="0"/>
-              <a:t>4/26/2024</a:t>
+              <a:t>4/30/2024</a:t>
             </a:fld>
             <a:endParaRPr lang="en-US"/>
           </a:p>
@@ -3708,7 +3708,7 @@
           <a:p>
             <a:fld id="{2398DB02-A856-45E2-9796-3C612C096A25}" type="datetimeFigureOut">
               <a:rPr lang="en-US" smtClean="0"/>
-              <a:t>4/26/2024</a:t>
+              <a:t>4/30/2024</a:t>
             </a:fld>
             <a:endParaRPr lang="en-US"/>
           </a:p>
@@ -3916,7 +3916,7 @@
           <a:p>
             <a:fld id="{2398DB02-A856-45E2-9796-3C612C096A25}" type="datetimeFigureOut">
               <a:rPr lang="en-US" smtClean="0"/>
-              <a:t>4/26/2024</a:t>
+              <a:t>4/30/2024</a:t>
             </a:fld>
             <a:endParaRPr lang="en-US"/>
           </a:p>
@@ -4114,7 +4114,7 @@
           <a:p>
             <a:fld id="{2398DB02-A856-45E2-9796-3C612C096A25}" type="datetimeFigureOut">
               <a:rPr lang="en-US" smtClean="0"/>
-              <a:t>4/26/2024</a:t>
+              <a:t>4/30/2024</a:t>
             </a:fld>
             <a:endParaRPr lang="en-US"/>
           </a:p>
@@ -4389,7 +4389,7 @@
           <a:p>
             <a:fld id="{2398DB02-A856-45E2-9796-3C612C096A25}" type="datetimeFigureOut">
               <a:rPr lang="en-US" smtClean="0"/>
-              <a:t>4/26/2024</a:t>
+              <a:t>4/30/2024</a:t>
             </a:fld>
             <a:endParaRPr lang="en-US"/>
           </a:p>
@@ -4654,7 +4654,7 @@
           <a:p>
             <a:fld id="{2398DB02-A856-45E2-9796-3C612C096A25}" type="datetimeFigureOut">
               <a:rPr lang="en-US" smtClean="0"/>
-              <a:t>4/26/2024</a:t>
+              <a:t>4/30/2024</a:t>
             </a:fld>
             <a:endParaRPr lang="en-US"/>
           </a:p>
@@ -5066,7 +5066,7 @@
           <a:p>
             <a:fld id="{2398DB02-A856-45E2-9796-3C612C096A25}" type="datetimeFigureOut">
               <a:rPr lang="en-US" smtClean="0"/>
-              <a:t>4/26/2024</a:t>
+              <a:t>4/30/2024</a:t>
             </a:fld>
             <a:endParaRPr lang="en-US"/>
           </a:p>
@@ -5207,7 +5207,7 @@
           <a:p>
             <a:fld id="{2398DB02-A856-45E2-9796-3C612C096A25}" type="datetimeFigureOut">
               <a:rPr lang="en-US" smtClean="0"/>
-              <a:t>4/26/2024</a:t>
+              <a:t>4/30/2024</a:t>
             </a:fld>
             <a:endParaRPr lang="en-US"/>
           </a:p>
@@ -5320,7 +5320,7 @@
           <a:p>
             <a:fld id="{2398DB02-A856-45E2-9796-3C612C096A25}" type="datetimeFigureOut">
               <a:rPr lang="en-US" smtClean="0"/>
-              <a:t>4/26/2024</a:t>
+              <a:t>4/30/2024</a:t>
             </a:fld>
             <a:endParaRPr lang="en-US"/>
           </a:p>
@@ -5631,7 +5631,7 @@
           <a:p>
             <a:fld id="{2398DB02-A856-45E2-9796-3C612C096A25}" type="datetimeFigureOut">
               <a:rPr lang="en-US" smtClean="0"/>
-              <a:t>4/26/2024</a:t>
+              <a:t>4/30/2024</a:t>
             </a:fld>
             <a:endParaRPr lang="en-US"/>
           </a:p>
@@ -5919,7 +5919,7 @@
           <a:p>
             <a:fld id="{2398DB02-A856-45E2-9796-3C612C096A25}" type="datetimeFigureOut">
               <a:rPr lang="en-US" smtClean="0"/>
-              <a:t>4/26/2024</a:t>
+              <a:t>4/30/2024</a:t>
             </a:fld>
             <a:endParaRPr lang="en-US"/>
           </a:p>
@@ -6160,7 +6160,7 @@
           <a:p>
             <a:fld id="{2398DB02-A856-45E2-9796-3C612C096A25}" type="datetimeFigureOut">
               <a:rPr lang="en-US" smtClean="0"/>
-              <a:t>4/26/2024</a:t>
+              <a:t>4/30/2024</a:t>
             </a:fld>
             <a:endParaRPr lang="en-US"/>
           </a:p>
@@ -7199,8 +7199,8 @@
             </a:p>
           </p:txBody>
         </p:sp>
-        <mc:AlternateContent xmlns:mc="http://schemas.openxmlformats.org/markup-compatibility/2006">
-          <mc:Choice xmlns:a14="http://schemas.microsoft.com/office/drawing/2010/main" Requires="a14">
+        <mc:AlternateContent xmlns:mc="http://schemas.openxmlformats.org/markup-compatibility/2006" xmlns:a14="http://schemas.microsoft.com/office/drawing/2010/main">
+          <mc:Choice Requires="a14">
             <p:sp>
               <p:nvSpPr>
                 <p:cNvPr id="2087" name="TextBox 2086">
@@ -7269,7 +7269,7 @@
               </p:txBody>
             </p:sp>
           </mc:Choice>
-          <mc:Fallback>
+          <mc:Fallback xmlns="">
             <p:sp>
               <p:nvSpPr>
                 <p:cNvPr id="2087" name="TextBox 2086">
@@ -7613,8 +7613,8 @@
             </a:fontRef>
           </p:style>
         </p:cxnSp>
-        <mc:AlternateContent xmlns:mc="http://schemas.openxmlformats.org/markup-compatibility/2006">
-          <mc:Choice xmlns:a14="http://schemas.microsoft.com/office/drawing/2010/main" Requires="a14">
+        <mc:AlternateContent xmlns:mc="http://schemas.openxmlformats.org/markup-compatibility/2006" xmlns:a14="http://schemas.microsoft.com/office/drawing/2010/main">
+          <mc:Choice Requires="a14">
             <p:sp>
               <p:nvSpPr>
                 <p:cNvPr id="2096" name="TextBox 2095">
@@ -7664,7 +7664,7 @@
               </p:txBody>
             </p:sp>
           </mc:Choice>
-          <mc:Fallback>
+          <mc:Fallback xmlns="">
             <p:sp>
               <p:nvSpPr>
                 <p:cNvPr id="2096" name="TextBox 2095">
@@ -7920,8 +7920,8 @@
             </a:fontRef>
           </p:style>
         </p:cxnSp>
-        <mc:AlternateContent xmlns:mc="http://schemas.openxmlformats.org/markup-compatibility/2006">
-          <mc:Choice xmlns:a14="http://schemas.microsoft.com/office/drawing/2010/main" Requires="a14">
+        <mc:AlternateContent xmlns:mc="http://schemas.openxmlformats.org/markup-compatibility/2006" xmlns:a14="http://schemas.microsoft.com/office/drawing/2010/main">
+          <mc:Choice Requires="a14">
             <p:sp>
               <p:nvSpPr>
                 <p:cNvPr id="2110" name="TextBox 2109">
@@ -7990,7 +7990,7 @@
               </p:txBody>
             </p:sp>
           </mc:Choice>
-          <mc:Fallback>
+          <mc:Fallback xmlns="">
             <p:sp>
               <p:nvSpPr>
                 <p:cNvPr id="2110" name="TextBox 2109">
@@ -8852,8 +8852,8 @@
             </a:fontRef>
           </p:style>
         </p:cxnSp>
-        <mc:AlternateContent xmlns:mc="http://schemas.openxmlformats.org/markup-compatibility/2006">
-          <mc:Choice xmlns:a14="http://schemas.microsoft.com/office/drawing/2010/main" Requires="a14">
+        <mc:AlternateContent xmlns:mc="http://schemas.openxmlformats.org/markup-compatibility/2006" xmlns:a14="http://schemas.microsoft.com/office/drawing/2010/main">
+          <mc:Choice Requires="a14">
             <p:sp>
               <p:nvSpPr>
                 <p:cNvPr id="18" name="TextBox 17">
@@ -8922,7 +8922,7 @@
               </p:txBody>
             </p:sp>
           </mc:Choice>
-          <mc:Fallback>
+          <mc:Fallback xmlns="">
             <p:sp>
               <p:nvSpPr>
                 <p:cNvPr id="18" name="TextBox 17">
@@ -8967,8 +8967,8 @@
             </p:sp>
           </mc:Fallback>
         </mc:AlternateContent>
-        <mc:AlternateContent xmlns:mc="http://schemas.openxmlformats.org/markup-compatibility/2006">
-          <mc:Choice xmlns:a14="http://schemas.microsoft.com/office/drawing/2010/main" Requires="a14">
+        <mc:AlternateContent xmlns:mc="http://schemas.openxmlformats.org/markup-compatibility/2006" xmlns:a14="http://schemas.microsoft.com/office/drawing/2010/main">
+          <mc:Choice Requires="a14">
             <p:sp>
               <p:nvSpPr>
                 <p:cNvPr id="19" name="TextBox 18">
@@ -9018,7 +9018,7 @@
               </p:txBody>
             </p:sp>
           </mc:Choice>
-          <mc:Fallback>
+          <mc:Fallback xmlns="">
             <p:sp>
               <p:nvSpPr>
                 <p:cNvPr id="19" name="TextBox 18">
@@ -9221,8 +9221,8 @@
             </a:p>
           </p:txBody>
         </p:sp>
-        <mc:AlternateContent xmlns:mc="http://schemas.openxmlformats.org/markup-compatibility/2006">
-          <mc:Choice xmlns:a14="http://schemas.microsoft.com/office/drawing/2010/main" Requires="a14">
+        <mc:AlternateContent xmlns:mc="http://schemas.openxmlformats.org/markup-compatibility/2006" xmlns:a14="http://schemas.microsoft.com/office/drawing/2010/main">
+          <mc:Choice Requires="a14">
             <p:sp>
               <p:nvSpPr>
                 <p:cNvPr id="28" name="TextBox 27">
@@ -9291,7 +9291,7 @@
               </p:txBody>
             </p:sp>
           </mc:Choice>
-          <mc:Fallback>
+          <mc:Fallback xmlns="">
             <p:sp>
               <p:nvSpPr>
                 <p:cNvPr id="28" name="TextBox 27">
@@ -9602,7 +9602,7 @@
             <p:ph idx="1"/>
             <p:extLst>
               <p:ext uri="{D42A27DB-BD31-4B8C-83A1-F6EECF244321}">
-                <p14:modId xmlns:p14="http://schemas.microsoft.com/office/powerpoint/2010/main" val="2169027734"/>
+                <p14:modId xmlns:p14="http://schemas.microsoft.com/office/powerpoint/2010/main" val="1118115486"/>
               </p:ext>
             </p:extLst>
           </p:nvPr>
@@ -9904,7 +9904,7 @@
                 </a14:m>
                 <a:r>
                   <a:rPr lang="en-US" dirty="0"/>
-                  <a:t>: A fixed known number representing the rotational velocity of </a:t>
+                  <a:t>: A fixed and known number representing the rotational velocity of </a:t>
                 </a:r>
                 <a14:m>
                   <m:oMath xmlns:m="http://schemas.openxmlformats.org/officeDocument/2006/math">
@@ -9979,7 +9979,7 @@
                 </a14:m>
                 <a:r>
                   <a:rPr lang="en-US" dirty="0"/>
-                  <a:t>: A fixed known number representing the rotational velocity of </a:t>
+                  <a:t>: A fixed and known number representing the rotational velocity of </a:t>
                 </a:r>
                 <a14:m>
                   <m:oMath xmlns:m="http://schemas.openxmlformats.org/officeDocument/2006/math">
@@ -10923,7 +10923,7 @@
                 </a14:m>
                 <a:r>
                   <a:rPr lang="en-US" dirty="0"/>
-                  <a:t> values to the probe</a:t>
+                  <a:t> values to the probe joints.</a:t>
                 </a:r>
               </a:p>
               <a:p>
@@ -10981,7 +10981,7 @@
                       <a:srgbClr val="FFFFFF"/>
                     </a:highlight>
                   </a:rPr>
-                  <a:t>: A fixed known number representing the probe physical limit when traveling in the left direction (</a:t>
+                  <a:t>: A fixed and known number representing the probe physical limit when traveling in the left direction (</a:t>
                 </a:r>
                 <a14:m>
                   <m:oMath xmlns:m="http://schemas.openxmlformats.org/officeDocument/2006/math">
@@ -11027,7 +11027,7 @@
                       <a:srgbClr val="FFFFFF"/>
                     </a:highlight>
                   </a:rPr>
-                  <a:t> maximum value) </a:t>
+                  <a:t> maximum value). </a:t>
                 </a:r>
               </a:p>
               <a:p>
@@ -11079,7 +11079,7 @@
                       <a:srgbClr val="FFFFFF"/>
                     </a:highlight>
                   </a:rPr>
-                  <a:t>: A fixed known number representing the probe physical limit when traveling in the up direction (</a:t>
+                  <a:t>: A fixed and known number representing the probe physical limit when traveling in the up direction (</a:t>
                 </a:r>
                 <a14:m>
                   <m:oMath xmlns:m="http://schemas.openxmlformats.org/officeDocument/2006/math">
@@ -11125,7 +11125,7 @@
                       <a:srgbClr val="FFFFFF"/>
                     </a:highlight>
                   </a:rPr>
-                  <a:t> maximum value) </a:t>
+                  <a:t> maximum value). </a:t>
                 </a:r>
               </a:p>
               <a:p>
@@ -11277,11 +11277,14 @@
                     </m:sSub>
                   </m:oMath>
                 </a14:m>
-                <a:endParaRPr lang="en-US" dirty="0">
-                  <a:highlight>
-                    <a:srgbClr val="FFFFFF"/>
-                  </a:highlight>
-                </a:endParaRPr>
+                <a:r>
+                  <a:rPr lang="en-US" dirty="0">
+                    <a:highlight>
+                      <a:srgbClr val="FFFFFF"/>
+                    </a:highlight>
+                  </a:rPr>
+                  <a:t>.</a:t>
+                </a:r>
               </a:p>
               <a:p>
                 <a:pPr lvl="1" indent="-228600">
@@ -11426,7 +11429,10 @@
                     </m:sSub>
                   </m:oMath>
                 </a14:m>
-                <a:endParaRPr lang="en-US" dirty="0"/>
+                <a:r>
+                  <a:rPr lang="en-US" dirty="0"/>
+                  <a:t>.</a:t>
+                </a:r>
               </a:p>
             </p:txBody>
           </p:sp>
@@ -11456,7 +11462,7 @@
               <a:blipFill>
                 <a:blip r:embed="rId2"/>
                 <a:stretch>
-                  <a:fillRect l="-363" r="-242"/>
+                  <a:fillRect l="-363" r="-242" b="-503"/>
                 </a:stretch>
               </a:blipFill>
             </p:spPr>
@@ -11819,8 +11825,8 @@
             </a:fontRef>
           </p:style>
         </p:cxnSp>
-        <mc:AlternateContent xmlns:mc="http://schemas.openxmlformats.org/markup-compatibility/2006">
-          <mc:Choice xmlns:a14="http://schemas.microsoft.com/office/drawing/2010/main" Requires="a14">
+        <mc:AlternateContent xmlns:mc="http://schemas.openxmlformats.org/markup-compatibility/2006" xmlns:a14="http://schemas.microsoft.com/office/drawing/2010/main">
+          <mc:Choice Requires="a14">
             <p:sp>
               <p:nvSpPr>
                 <p:cNvPr id="84" name="TextBox 83">
@@ -11889,7 +11895,7 @@
               </p:txBody>
             </p:sp>
           </mc:Choice>
-          <mc:Fallback>
+          <mc:Fallback xmlns="">
             <p:sp>
               <p:nvSpPr>
                 <p:cNvPr id="84" name="TextBox 83">
@@ -11934,8 +11940,8 @@
             </p:sp>
           </mc:Fallback>
         </mc:AlternateContent>
-        <mc:AlternateContent xmlns:mc="http://schemas.openxmlformats.org/markup-compatibility/2006">
-          <mc:Choice xmlns:a14="http://schemas.microsoft.com/office/drawing/2010/main" Requires="a14">
+        <mc:AlternateContent xmlns:mc="http://schemas.openxmlformats.org/markup-compatibility/2006" xmlns:a14="http://schemas.microsoft.com/office/drawing/2010/main">
+          <mc:Choice Requires="a14">
             <p:sp>
               <p:nvSpPr>
                 <p:cNvPr id="85" name="TextBox 84">
@@ -11985,7 +11991,7 @@
               </p:txBody>
             </p:sp>
           </mc:Choice>
-          <mc:Fallback>
+          <mc:Fallback xmlns="">
             <p:sp>
               <p:nvSpPr>
                 <p:cNvPr id="85" name="TextBox 84">
@@ -12270,8 +12276,8 @@
             </p:txBody>
           </p:sp>
         </p:grpSp>
-        <mc:AlternateContent xmlns:mc="http://schemas.openxmlformats.org/markup-compatibility/2006">
-          <mc:Choice xmlns:a14="http://schemas.microsoft.com/office/drawing/2010/main" Requires="a14">
+        <mc:AlternateContent xmlns:mc="http://schemas.openxmlformats.org/markup-compatibility/2006" xmlns:a14="http://schemas.microsoft.com/office/drawing/2010/main">
+          <mc:Choice Requires="a14">
             <p:sp>
               <p:nvSpPr>
                 <p:cNvPr id="90" name="TextBox 89">
@@ -12321,7 +12327,7 @@
               </p:txBody>
             </p:sp>
           </mc:Choice>
-          <mc:Fallback>
+          <mc:Fallback xmlns="">
             <p:sp>
               <p:nvSpPr>
                 <p:cNvPr id="90" name="TextBox 89">
@@ -12452,8 +12458,8 @@
             </a:fontRef>
           </p:style>
         </p:cxnSp>
-        <mc:AlternateContent xmlns:mc="http://schemas.openxmlformats.org/markup-compatibility/2006">
-          <mc:Choice xmlns:a14="http://schemas.microsoft.com/office/drawing/2010/main" Requires="a14">
+        <mc:AlternateContent xmlns:mc="http://schemas.openxmlformats.org/markup-compatibility/2006" xmlns:a14="http://schemas.microsoft.com/office/drawing/2010/main">
+          <mc:Choice Requires="a14">
             <p:sp>
               <p:nvSpPr>
                 <p:cNvPr id="93" name="TextBox 92">
@@ -12522,7 +12528,7 @@
               </p:txBody>
             </p:sp>
           </mc:Choice>
-          <mc:Fallback>
+          <mc:Fallback xmlns="">
             <p:sp>
               <p:nvSpPr>
                 <p:cNvPr id="93" name="TextBox 92">
@@ -12862,7 +12868,7 @@
             </p:spPr>
             <p:txBody>
               <a:bodyPr anchor="ctr">
-                <a:normAutofit/>
+                <a:normAutofit lnSpcReduction="10000"/>
               </a:bodyPr>
               <a:lstStyle/>
               <a:p>
@@ -13030,7 +13036,7 @@
                 <a:pPr lvl="1"/>
                 <a:r>
                   <a:rPr lang="en-US" sz="1800" dirty="0"/>
-                  <a:t>After homing process, </a:t>
+                  <a:t>When homing process is completed, </a:t>
                 </a:r>
                 <a14:m>
                   <m:oMath xmlns:m="http://schemas.openxmlformats.org/officeDocument/2006/math">
@@ -14134,8 +14140,8 @@
             </a:fontRef>
           </p:style>
         </p:cxnSp>
-        <mc:AlternateContent xmlns:mc="http://schemas.openxmlformats.org/markup-compatibility/2006">
-          <mc:Choice xmlns:a14="http://schemas.microsoft.com/office/drawing/2010/main" Requires="a14">
+        <mc:AlternateContent xmlns:mc="http://schemas.openxmlformats.org/markup-compatibility/2006" xmlns:a14="http://schemas.microsoft.com/office/drawing/2010/main">
+          <mc:Choice Requires="a14">
             <p:sp>
               <p:nvSpPr>
                 <p:cNvPr id="39" name="TextBox 38">
@@ -14204,7 +14210,7 @@
               </p:txBody>
             </p:sp>
           </mc:Choice>
-          <mc:Fallback>
+          <mc:Fallback xmlns="">
             <p:sp>
               <p:nvSpPr>
                 <p:cNvPr id="39" name="TextBox 38">
@@ -14249,8 +14255,8 @@
             </p:sp>
           </mc:Fallback>
         </mc:AlternateContent>
-        <mc:AlternateContent xmlns:mc="http://schemas.openxmlformats.org/markup-compatibility/2006">
-          <mc:Choice xmlns:a14="http://schemas.microsoft.com/office/drawing/2010/main" Requires="a14">
+        <mc:AlternateContent xmlns:mc="http://schemas.openxmlformats.org/markup-compatibility/2006" xmlns:a14="http://schemas.microsoft.com/office/drawing/2010/main">
+          <mc:Choice Requires="a14">
             <p:sp>
               <p:nvSpPr>
                 <p:cNvPr id="40" name="TextBox 39">
@@ -14300,7 +14306,7 @@
               </p:txBody>
             </p:sp>
           </mc:Choice>
-          <mc:Fallback>
+          <mc:Fallback xmlns="">
             <p:sp>
               <p:nvSpPr>
                 <p:cNvPr id="40" name="TextBox 39">
@@ -14585,8 +14591,8 @@
             </p:txBody>
           </p:sp>
         </p:grpSp>
-        <mc:AlternateContent xmlns:mc="http://schemas.openxmlformats.org/markup-compatibility/2006">
-          <mc:Choice xmlns:a14="http://schemas.microsoft.com/office/drawing/2010/main" Requires="a14">
+        <mc:AlternateContent xmlns:mc="http://schemas.openxmlformats.org/markup-compatibility/2006" xmlns:a14="http://schemas.microsoft.com/office/drawing/2010/main">
+          <mc:Choice Requires="a14">
             <p:sp>
               <p:nvSpPr>
                 <p:cNvPr id="45" name="TextBox 44">
@@ -14636,7 +14642,7 @@
               </p:txBody>
             </p:sp>
           </mc:Choice>
-          <mc:Fallback>
+          <mc:Fallback xmlns="">
             <p:sp>
               <p:nvSpPr>
                 <p:cNvPr id="45" name="TextBox 44">
@@ -14724,8 +14730,8 @@
             </a:fontRef>
           </p:style>
         </p:cxnSp>
-        <mc:AlternateContent xmlns:mc="http://schemas.openxmlformats.org/markup-compatibility/2006">
-          <mc:Choice xmlns:a14="http://schemas.microsoft.com/office/drawing/2010/main" Requires="a14">
+        <mc:AlternateContent xmlns:mc="http://schemas.openxmlformats.org/markup-compatibility/2006" xmlns:a14="http://schemas.microsoft.com/office/drawing/2010/main">
+          <mc:Choice Requires="a14">
             <p:sp>
               <p:nvSpPr>
                 <p:cNvPr id="47" name="TextBox 46">
@@ -14794,7 +14800,7 @@
               </p:txBody>
             </p:sp>
           </mc:Choice>
-          <mc:Fallback>
+          <mc:Fallback xmlns="">
             <p:sp>
               <p:nvSpPr>
                 <p:cNvPr id="47" name="TextBox 46">
@@ -15202,7 +15208,7 @@
                 </a14:m>
                 <a:r>
                   <a:rPr lang="en-US" dirty="0"/>
-                  <a:t> (standby position), run the grain detection process.</a:t>
+                  <a:t> (standby position), run the grain detection module.</a:t>
                 </a:r>
               </a:p>
               <a:p>
@@ -15422,16 +15428,7 @@
                         </a:highlight>
                         <a:latin typeface="Cambria Math" panose="02040503050406030204" pitchFamily="18" charset="0"/>
                       </a:rPr>
-                      <m:t>=</m:t>
-                    </m:r>
-                    <m:r>
-                      <a:rPr lang="en-US" b="0" i="1" dirty="0" smtClean="0">
-                        <a:highlight>
-                          <a:srgbClr val="FFFFFF"/>
-                        </a:highlight>
-                        <a:latin typeface="Cambria Math" panose="02040503050406030204" pitchFamily="18" charset="0"/>
-                      </a:rPr>
-                      <m:t>45</m:t>
+                      <m:t>=45</m:t>
                     </m:r>
                   </m:oMath>
                 </a14:m>
@@ -16305,8 +16302,8 @@
               </a:p>
             </p:txBody>
           </p:sp>
-          <mc:AlternateContent xmlns:mc="http://schemas.openxmlformats.org/markup-compatibility/2006">
-            <mc:Choice xmlns:a14="http://schemas.microsoft.com/office/drawing/2010/main" Requires="a14">
+          <mc:AlternateContent xmlns:mc="http://schemas.openxmlformats.org/markup-compatibility/2006" xmlns:a14="http://schemas.microsoft.com/office/drawing/2010/main">
+            <mc:Choice Requires="a14">
               <p:sp>
                 <p:nvSpPr>
                   <p:cNvPr id="30" name="TextBox 29">
@@ -16375,7 +16372,7 @@
                 </p:txBody>
               </p:sp>
             </mc:Choice>
-            <mc:Fallback>
+            <mc:Fallback xmlns="">
               <p:sp>
                 <p:nvSpPr>
                   <p:cNvPr id="30" name="TextBox 29">
@@ -16471,8 +16468,8 @@
           </p:sp>
         </p:grpSp>
       </p:grpSp>
-      <mc:AlternateContent xmlns:mc="http://schemas.openxmlformats.org/markup-compatibility/2006">
-        <mc:Choice xmlns:a14="http://schemas.microsoft.com/office/drawing/2010/main" Requires="a14">
+      <mc:AlternateContent xmlns:mc="http://schemas.openxmlformats.org/markup-compatibility/2006" xmlns:a14="http://schemas.microsoft.com/office/drawing/2010/main">
+        <mc:Choice Requires="a14">
           <p:sp>
             <p:nvSpPr>
               <p:cNvPr id="39" name="TextBox 38">
@@ -16541,7 +16538,7 @@
             </p:txBody>
           </p:sp>
         </mc:Choice>
-        <mc:Fallback>
+        <mc:Fallback xmlns="">
           <p:sp>
             <p:nvSpPr>
               <p:cNvPr id="39" name="TextBox 38">
